--- a/presentation/AlphaCode_20220301.pptx
+++ b/presentation/AlphaCode_20220301.pptx
@@ -6207,7 +6207,7 @@
         </p:blipFill>
         <p:spPr>
           <a:xfrm>
-            <a:off x="887095" y="2773045"/>
+            <a:off x="1927860" y="3020695"/>
             <a:ext cx="6654800" cy="1960880"/>
           </a:xfrm>
           <a:prstGeom prst="rect">
@@ -6317,7 +6317,7 @@
               <a:rPr lang="zh-CN" altLang="en-US">
                 <a:sym typeface="+mn-ea"/>
               </a:rPr>
-              <a:t>训练数据的“泄漏”</a:t>
+              <a:t>关于训练数据的“泄漏”</a:t>
             </a:r>
             <a:endParaRPr lang="zh-CN" altLang="en-US"/>
           </a:p>
@@ -6339,8 +6339,8 @@
         </p:blipFill>
         <p:spPr>
           <a:xfrm>
-            <a:off x="5682615" y="258445"/>
-            <a:ext cx="6219825" cy="6115050"/>
+            <a:off x="6329680" y="1080135"/>
+            <a:ext cx="5678805" cy="5583555"/>
           </a:xfrm>
           <a:prstGeom prst="rect">
             <a:avLst/>
@@ -6468,42 +6468,6 @@
         <p:nvPr/>
       </p:nvGrpSpPr>
       <p:grpSpPr/>
-      <p:sp>
-        <p:nvSpPr>
-          <p:cNvPr id="2" name="标题 1"/>
-          <p:cNvSpPr>
-            <a:spLocks noGrp="1"/>
-          </p:cNvSpPr>
-          <p:nvPr>
-            <p:ph type="title"/>
-          </p:nvPr>
-        </p:nvSpPr>
-        <p:spPr/>
-        <p:txBody>
-          <a:bodyPr/>
-          <a:p>
-            <a:endParaRPr lang="zh-CN" altLang="en-US"/>
-          </a:p>
-        </p:txBody>
-      </p:sp>
-      <p:sp>
-        <p:nvSpPr>
-          <p:cNvPr id="3" name="内容占位符 2"/>
-          <p:cNvSpPr>
-            <a:spLocks noGrp="1"/>
-          </p:cNvSpPr>
-          <p:nvPr>
-            <p:ph idx="1"/>
-          </p:nvPr>
-        </p:nvSpPr>
-        <p:spPr/>
-        <p:txBody>
-          <a:bodyPr/>
-          <a:p>
-            <a:endParaRPr lang="zh-CN" altLang="en-US"/>
-          </a:p>
-        </p:txBody>
-      </p:sp>
       <p:pic>
         <p:nvPicPr>
           <p:cNvPr id="4" name="图片 3" descr="ak6y8-oxno8"/>
@@ -6588,15 +6552,6 @@
           <a:bodyPr/>
           <a:p>
             <a:r>
-              <a:rPr lang="zh-CN" altLang="en-US">
-                <a:sym typeface="+mn-ea"/>
-              </a:rPr>
-              <a:t>避免训练数据的“泄漏”</a:t>
-            </a:r>
-            <a:endParaRPr lang="zh-CN"/>
-          </a:p>
-          <a:p>
-            <a:r>
               <a:rPr lang="zh-CN"/>
               <a:t>模型加速工具：</a:t>
             </a:r>
@@ -6770,7 +6725,7 @@
         </p:nvSpPr>
         <p:spPr>
           <a:xfrm>
-            <a:off x="647700" y="1584325"/>
+            <a:off x="682625" y="934085"/>
             <a:ext cx="10515600" cy="4351338"/>
           </a:xfrm>
         </p:spPr>
@@ -6865,22 +6820,6 @@
           </a:prstGeom>
         </p:spPr>
       </p:pic>
-      <p:sp>
-        <p:nvSpPr>
-          <p:cNvPr id="4" name="标题 3"/>
-          <p:cNvSpPr/>
-          <p:nvPr>
-            <p:ph type="title"/>
-          </p:nvPr>
-        </p:nvSpPr>
-        <p:spPr/>
-        <p:txBody>
-          <a:bodyPr/>
-          <a:p>
-            <a:endParaRPr lang="zh-CN" altLang="en-US"/>
-          </a:p>
-        </p:txBody>
-      </p:sp>
     </p:spTree>
   </p:cSld>
   <p:clrMapOvr>

--- a/presentation/AlphaCode_20220301.pptx
+++ b/presentation/AlphaCode_20220301.pptx
@@ -3624,6 +3624,30 @@
           </a:p>
         </p:txBody>
       </p:sp>
+      <p:pic>
+        <p:nvPicPr>
+          <p:cNvPr id="5" name="图片 4" descr="微信图片_20220212175015"/>
+          <p:cNvPicPr>
+            <a:picLocks noChangeAspect="1"/>
+          </p:cNvPicPr>
+          <p:nvPr/>
+        </p:nvPicPr>
+        <p:blipFill>
+          <a:blip r:embed="rId2"/>
+          <a:stretch>
+            <a:fillRect/>
+          </a:stretch>
+        </p:blipFill>
+        <p:spPr>
+          <a:xfrm>
+            <a:off x="2576830" y="5349875"/>
+            <a:ext cx="6149340" cy="967740"/>
+          </a:xfrm>
+          <a:prstGeom prst="rect">
+            <a:avLst/>
+          </a:prstGeom>
+        </p:spPr>
+      </p:pic>
     </p:spTree>
   </p:cSld>
   <p:clrMapOvr>

--- a/presentation/AlphaCode_20220301.pptx
+++ b/presentation/AlphaCode_20220301.pptx
@@ -6379,7 +6379,7 @@
         </p:nvSpPr>
         <p:spPr>
           <a:xfrm>
-            <a:off x="770890" y="3093720"/>
+            <a:off x="819150" y="2123440"/>
             <a:ext cx="4739005" cy="2030095"/>
           </a:xfrm>
           <a:prstGeom prst="rect">
@@ -6444,7 +6444,7 @@
         </p:nvSpPr>
         <p:spPr>
           <a:xfrm>
-            <a:off x="309245" y="2417445"/>
+            <a:off x="332740" y="1584325"/>
             <a:ext cx="3070225" cy="368300"/>
           </a:xfrm>
           <a:prstGeom prst="rect">
@@ -6474,6 +6474,30 @@
           </a:p>
         </p:txBody>
       </p:sp>
+      <p:pic>
+        <p:nvPicPr>
+          <p:cNvPr id="3" name="图片 2"/>
+          <p:cNvPicPr>
+            <a:picLocks noChangeAspect="1"/>
+          </p:cNvPicPr>
+          <p:nvPr/>
+        </p:nvPicPr>
+        <p:blipFill>
+          <a:blip r:embed="rId2"/>
+          <a:stretch>
+            <a:fillRect/>
+          </a:stretch>
+        </p:blipFill>
+        <p:spPr>
+          <a:xfrm>
+            <a:off x="3125470" y="4035425"/>
+            <a:ext cx="3070225" cy="2700020"/>
+          </a:xfrm>
+          <a:prstGeom prst="rect">
+            <a:avLst/>
+          </a:prstGeom>
+        </p:spPr>
+      </p:pic>
     </p:spTree>
   </p:cSld>
   <p:clrMapOvr>

--- a/presentation/AlphaCode_20220301.pptx
+++ b/presentation/AlphaCode_20220301.pptx
@@ -6379,7 +6379,7 @@
         </p:nvSpPr>
         <p:spPr>
           <a:xfrm>
-            <a:off x="819150" y="2123440"/>
+            <a:off x="819150" y="2289175"/>
             <a:ext cx="4739005" cy="2030095"/>
           </a:xfrm>
           <a:prstGeom prst="rect">
@@ -6444,7 +6444,7 @@
         </p:nvSpPr>
         <p:spPr>
           <a:xfrm>
-            <a:off x="332740" y="1584325"/>
+            <a:off x="354965" y="1920875"/>
             <a:ext cx="3070225" cy="368300"/>
           </a:xfrm>
           <a:prstGeom prst="rect">
@@ -6490,7 +6490,7 @@
         </p:blipFill>
         <p:spPr>
           <a:xfrm>
-            <a:off x="3125470" y="4035425"/>
+            <a:off x="3259455" y="4157980"/>
             <a:ext cx="3070225" cy="2700020"/>
           </a:xfrm>
           <a:prstGeom prst="rect">
@@ -6498,6 +6498,58 @@
           </a:prstGeom>
         </p:spPr>
       </p:pic>
+      <p:sp>
+        <p:nvSpPr>
+          <p:cNvPr id="7" name="文本框 6"/>
+          <p:cNvSpPr txBox="1"/>
+          <p:nvPr/>
+        </p:nvSpPr>
+        <p:spPr>
+          <a:xfrm>
+            <a:off x="354965" y="1552575"/>
+            <a:ext cx="2435225" cy="368300"/>
+          </a:xfrm>
+          <a:prstGeom prst="rect">
+            <a:avLst/>
+          </a:prstGeom>
+          <a:noFill/>
+        </p:spPr>
+        <p:txBody>
+          <a:bodyPr wrap="none" rtlCol="0" anchor="t">
+            <a:spAutoFit/>
+          </a:bodyPr>
+          <a:p>
+            <a:pPr lvl="1"/>
+            <a:r>
+              <a:rPr lang="en-US" altLang="zh-CN">
+                <a:sym typeface="+mn-ea"/>
+              </a:rPr>
+              <a:t>* </a:t>
+            </a:r>
+            <a:r>
+              <a:rPr lang="zh-CN" altLang="en-US">
+                <a:sym typeface="+mn-ea"/>
+              </a:rPr>
+              <a:t>源于</a:t>
+            </a:r>
+            <a:r>
+              <a:rPr lang="en-US" altLang="zh-CN">
+                <a:sym typeface="+mn-ea"/>
+              </a:rPr>
+              <a:t>Copilot</a:t>
+            </a:r>
+            <a:r>
+              <a:rPr lang="zh-CN" altLang="en-US">
+                <a:sym typeface="+mn-ea"/>
+              </a:rPr>
+              <a:t>争议</a:t>
+            </a:r>
+            <a:endParaRPr lang="zh-CN" altLang="en-US">
+              <a:sym typeface="+mn-ea"/>
+            </a:endParaRPr>
+          </a:p>
+        </p:txBody>
+      </p:sp>
     </p:spTree>
   </p:cSld>
   <p:clrMapOvr>
@@ -6860,7 +6912,7 @@
         </p:blipFill>
         <p:spPr>
           <a:xfrm>
-            <a:off x="3505200" y="5141595"/>
+            <a:off x="3322320" y="4730115"/>
             <a:ext cx="5707380" cy="1638300"/>
           </a:xfrm>
           <a:prstGeom prst="rect">

--- a/presentation/AlphaCode_20220301.pptx
+++ b/presentation/AlphaCode_20220301.pptx
@@ -3583,8 +3583,8 @@
         </p:nvSpPr>
         <p:spPr>
           <a:xfrm>
-            <a:off x="9124315" y="6416040"/>
-            <a:ext cx="2870200" cy="368300"/>
+            <a:off x="8726170" y="6409690"/>
+            <a:ext cx="3422650" cy="337185"/>
           </a:xfrm>
           <a:prstGeom prst="rect">
             <a:avLst/>
@@ -3597,30 +3597,30 @@
           </a:bodyPr>
           <a:p>
             <a:r>
-              <a:rPr lang="en-US" altLang="zh-CN"/>
+              <a:rPr lang="en-US" altLang="zh-CN" sz="1600"/>
               <a:t> </a:t>
             </a:r>
             <a:r>
-              <a:rPr lang="zh-CN" altLang="en-US"/>
+              <a:rPr lang="zh-CN" altLang="en-US" sz="1600"/>
               <a:t>计算机学院</a:t>
             </a:r>
             <a:r>
-              <a:rPr lang="en-US" altLang="zh-CN"/>
+              <a:rPr lang="en-US" altLang="zh-CN" sz="1600"/>
               <a:t>-</a:t>
             </a:r>
             <a:r>
-              <a:rPr lang="zh-CN" altLang="en-US"/>
-              <a:t>电子信息</a:t>
-            </a:r>
-            <a:r>
-              <a:rPr lang="en-US" altLang="zh-CN"/>
+              <a:rPr lang="zh-CN" altLang="en-US" sz="1600"/>
+              <a:t>大数据与人工智能</a:t>
+            </a:r>
+            <a:r>
+              <a:rPr lang="en-US" altLang="zh-CN" sz="1600"/>
               <a:t> </a:t>
             </a:r>
             <a:r>
-              <a:rPr lang="zh-CN" altLang="en-US"/>
+              <a:rPr lang="zh-CN" altLang="en-US" sz="1600"/>
               <a:t>何峙</a:t>
             </a:r>
-            <a:endParaRPr lang="zh-CN" altLang="en-US"/>
+            <a:endParaRPr lang="zh-CN" altLang="en-US" sz="1600"/>
           </a:p>
         </p:txBody>
       </p:sp>

--- a/presentation/AlphaCode_20220301.pptx
+++ b/presentation/AlphaCode_20220301.pptx
@@ -8548,69 +8548,6 @@
             <a:r>
               <a:rPr lang="en-US" altLang="zh-CN"/>
               <a:t>Fine-tuning</a:t>
-            </a:r>
-            <a:endParaRPr lang="en-US" altLang="zh-CN"/>
-          </a:p>
-        </p:txBody>
-      </p:sp>
-      <p:sp>
-        <p:nvSpPr>
-          <p:cNvPr id="39" name="文本框 38"/>
-          <p:cNvSpPr txBox="1"/>
-          <p:nvPr/>
-        </p:nvSpPr>
-        <p:spPr>
-          <a:xfrm>
-            <a:off x="6753225" y="5625465"/>
-            <a:ext cx="4792345" cy="922020"/>
-          </a:xfrm>
-          <a:prstGeom prst="rect">
-            <a:avLst/>
-          </a:prstGeom>
-          <a:noFill/>
-        </p:spPr>
-        <p:txBody>
-          <a:bodyPr wrap="none" rtlCol="0">
-            <a:spAutoFit/>
-          </a:bodyPr>
-          <a:p>
-            <a:r>
-              <a:rPr lang="zh-CN" altLang="en-US"/>
-              <a:t>综合使用两个</a:t>
-            </a:r>
-            <a:r>
-              <a:rPr lang="en-US" altLang="zh-CN"/>
-              <a:t>loss:</a:t>
-            </a:r>
-            <a:endParaRPr lang="en-US" altLang="zh-CN"/>
-          </a:p>
-          <a:p>
-            <a:r>
-              <a:rPr lang="en-US" altLang="zh-CN"/>
-              <a:t>1. decoder</a:t>
-            </a:r>
-            <a:r>
-              <a:rPr lang="zh-CN" altLang="en-US"/>
-              <a:t>：</a:t>
-            </a:r>
-            <a:r>
-              <a:rPr lang="en-US" altLang="zh-CN"/>
-              <a:t>next-token prediction loss</a:t>
-            </a:r>
-            <a:endParaRPr lang="zh-CN" altLang="en-US"/>
-          </a:p>
-          <a:p>
-            <a:r>
-              <a:rPr lang="en-US" altLang="zh-CN"/>
-              <a:t>2. encoder</a:t>
-            </a:r>
-            <a:r>
-              <a:rPr lang="zh-CN" altLang="en-US"/>
-              <a:t>：</a:t>
-            </a:r>
-            <a:r>
-              <a:rPr lang="en-US" altLang="zh-CN"/>
-              <a:t>masked language modeling loss</a:t>
             </a:r>
             <a:endParaRPr lang="en-US" altLang="zh-CN"/>
           </a:p>

--- a/presentation/AlphaCode_20220301.pptx
+++ b/presentation/AlphaCode_20220301.pptx
@@ -6890,7 +6890,23 @@
           <a:p>
             <a:r>
               <a:rPr lang="en-US" altLang="zh-CN"/>
-              <a:t> “Using a full set of query heads but sharing key and value heads per attention block significantly reduces memory usage and cache update costs...”</a:t>
+              <a:t> “Using </a:t>
+            </a:r>
+            <a:r>
+              <a:rPr lang="en-US" altLang="zh-CN" u="sng"/>
+              <a:t>a full set of query heads but sharing key and value heads</a:t>
+            </a:r>
+            <a:r>
+              <a:rPr lang="en-US" altLang="zh-CN" u="sng" baseline="30000"/>
+              <a:t>[1]</a:t>
+            </a:r>
+            <a:r>
+              <a:rPr lang="en-US" altLang="zh-CN" u="sng"/>
+              <a:t> </a:t>
+            </a:r>
+            <a:r>
+              <a:rPr lang="en-US" altLang="zh-CN"/>
+              <a:t>per attention block significantly reduces memory usage and cache update costs...”</a:t>
             </a:r>
             <a:endParaRPr lang="zh-CN" altLang="en-US"/>
           </a:p>
@@ -6912,7 +6928,7 @@
         </p:blipFill>
         <p:spPr>
           <a:xfrm>
-            <a:off x="3322320" y="4730115"/>
+            <a:off x="3322320" y="4577715"/>
             <a:ext cx="5707380" cy="1638300"/>
           </a:xfrm>
           <a:prstGeom prst="rect">
@@ -6920,6 +6936,47 @@
           </a:prstGeom>
         </p:spPr>
       </p:pic>
+      <p:sp>
+        <p:nvSpPr>
+          <p:cNvPr id="2" name="文本框 1"/>
+          <p:cNvSpPr txBox="1"/>
+          <p:nvPr/>
+        </p:nvSpPr>
+        <p:spPr>
+          <a:xfrm>
+            <a:off x="6389370" y="6459855"/>
+            <a:ext cx="5845810" cy="337185"/>
+          </a:xfrm>
+          <a:prstGeom prst="rect">
+            <a:avLst/>
+          </a:prstGeom>
+          <a:noFill/>
+        </p:spPr>
+        <p:txBody>
+          <a:bodyPr wrap="square" rtlCol="0">
+            <a:spAutoFit/>
+          </a:bodyPr>
+          <a:p>
+            <a:r>
+              <a:rPr lang="en-US" altLang="zh-CN" sz="1600"/>
+              <a:t>[1] </a:t>
+            </a:r>
+            <a:r>
+              <a:rPr lang="zh-CN" altLang="en-US" sz="1600"/>
+              <a:t>《</a:t>
+            </a:r>
+            <a:r>
+              <a:rPr lang="en-US" altLang="zh-CN" sz="1600"/>
+              <a:t>Fast Transformer Decoding: One Write-Head is All You Need</a:t>
+            </a:r>
+            <a:r>
+              <a:rPr lang="zh-CN" altLang="en-US" sz="1600"/>
+              <a:t>》</a:t>
+            </a:r>
+            <a:endParaRPr lang="zh-CN" altLang="en-US" sz="1600"/>
+          </a:p>
+        </p:txBody>
+      </p:sp>
     </p:spTree>
   </p:cSld>
   <p:clrMapOvr>
@@ -8728,8 +8785,8 @@
         </p:nvSpPr>
         <p:spPr>
           <a:xfrm>
-            <a:off x="5840730" y="6440170"/>
-            <a:ext cx="6149340" cy="521970"/>
+            <a:off x="6465570" y="6432550"/>
+            <a:ext cx="5628005" cy="521970"/>
           </a:xfrm>
           <a:prstGeom prst="rect">
             <a:avLst/>
@@ -8746,7 +8803,7 @@
               <a:rPr lang="en-US" altLang="zh-CN" sz="1400">
                 <a:sym typeface="+mn-ea"/>
               </a:rPr>
-              <a:t>by </a:t>
+              <a:t>[2] </a:t>
             </a:r>
             <a:r>
               <a:rPr lang="zh-CN" altLang="en-US" sz="1400">
@@ -8795,7 +8852,7 @@
         <p:spPr>
           <a:xfrm>
             <a:off x="365760" y="4978400"/>
-            <a:ext cx="11899265" cy="1198880"/>
+            <a:ext cx="10936605" cy="1198880"/>
           </a:xfrm>
           <a:prstGeom prst="rect">
             <a:avLst/>
@@ -8842,7 +8899,15 @@
             <a:pPr algn="l"/>
             <a:r>
               <a:rPr lang="zh-CN" altLang="en-US"/>
-              <a:t>a model trained without softmax tempering。”</a:t>
+              <a:t>a model trained without softmax tempering。</a:t>
+            </a:r>
+            <a:r>
+              <a:rPr lang="en-US" altLang="zh-CN" baseline="30000"/>
+              <a:t>[2]</a:t>
+            </a:r>
+            <a:r>
+              <a:rPr lang="zh-CN" altLang="en-US"/>
+              <a:t>”</a:t>
             </a:r>
             <a:endParaRPr lang="zh-CN" altLang="en-US"/>
           </a:p>
@@ -9058,6 +9123,10 @@
               <a:rPr lang="en-US" altLang="zh-CN"/>
               <a:t>GOLD</a:t>
             </a:r>
+            <a:r>
+              <a:rPr lang="en-US" altLang="zh-CN" baseline="30000"/>
+              <a:t>[3]</a:t>
+            </a:r>
             <a:br>
               <a:rPr lang="zh-CN" altLang="en-US"/>
             </a:br>
@@ -9142,8 +9211,8 @@
         </p:nvSpPr>
         <p:spPr>
           <a:xfrm>
-            <a:off x="6296660" y="6439535"/>
-            <a:ext cx="5351145" cy="306705"/>
+            <a:off x="7138035" y="6470015"/>
+            <a:ext cx="4924425" cy="306705"/>
           </a:xfrm>
           <a:prstGeom prst="rect">
             <a:avLst/>
@@ -9151,7 +9220,7 @@
           <a:noFill/>
         </p:spPr>
         <p:txBody>
-          <a:bodyPr wrap="none" rtlCol="0">
+          <a:bodyPr wrap="square" rtlCol="0">
             <a:spAutoFit/>
           </a:bodyPr>
           <a:p>
@@ -9160,7 +9229,7 @@
               <a:rPr lang="en-US" altLang="zh-CN" sz="1400">
                 <a:sym typeface="+mn-ea"/>
               </a:rPr>
-              <a:t>by </a:t>
+              <a:t>[3] </a:t>
             </a:r>
             <a:r>
               <a:rPr lang="zh-CN" altLang="en-US" sz="1400">

--- a/presentation/AlphaCode_20220301.pptx
+++ b/presentation/AlphaCode_20220301.pptx
@@ -34,6 +34,9 @@
   </p:sldIdLst>
   <p:sldSz cx="12192000" cy="6858000"/>
   <p:notesSz cx="7103745" cy="10234295"/>
+  <p:custDataLst>
+    <p:tags r:id="rId28"/>
+  </p:custDataLst>
   <p:defaultTextStyle>
     <a:defPPr>
       <a:defRPr lang="zh-CN"/>
@@ -8729,9 +8732,145 @@
           </a:p>
         </p:txBody>
       </p:sp>
+      <p:sp>
+        <p:nvSpPr>
+          <p:cNvPr id="6" name="文本框 5"/>
+          <p:cNvSpPr txBox="1"/>
+          <p:nvPr/>
+        </p:nvSpPr>
+        <p:spPr>
+          <a:xfrm>
+            <a:off x="6465570" y="6432550"/>
+            <a:ext cx="5628005" cy="521970"/>
+          </a:xfrm>
+          <a:prstGeom prst="rect">
+            <a:avLst/>
+          </a:prstGeom>
+          <a:noFill/>
+        </p:spPr>
+        <p:txBody>
+          <a:bodyPr wrap="none" rtlCol="0">
+            <a:spAutoFit/>
+          </a:bodyPr>
+          <a:p>
+            <a:pPr algn="l"/>
+            <a:r>
+              <a:rPr lang="en-US" altLang="zh-CN" sz="1400">
+                <a:sym typeface="+mn-ea"/>
+              </a:rPr>
+              <a:t>[2] </a:t>
+            </a:r>
+            <a:r>
+              <a:rPr lang="zh-CN" altLang="en-US" sz="1400">
+                <a:sym typeface="+mn-ea"/>
+              </a:rPr>
+              <a:t>《Softmax Tempering for Training Neural Machine Translation Models》</a:t>
+            </a:r>
+            <a:endParaRPr lang="zh-CN" altLang="en-US" sz="1400"/>
+          </a:p>
+          <a:p>
+            <a:endParaRPr lang="zh-CN" altLang="en-US" sz="1400"/>
+          </a:p>
+        </p:txBody>
+      </p:sp>
+      <p:sp>
+        <p:nvSpPr>
+          <p:cNvPr id="7" name="文本框 6"/>
+          <p:cNvSpPr txBox="1"/>
+          <p:nvPr/>
+        </p:nvSpPr>
+        <p:spPr>
+          <a:xfrm>
+            <a:off x="2246630" y="5922010"/>
+            <a:ext cx="309880" cy="368300"/>
+          </a:xfrm>
+          <a:prstGeom prst="rect">
+            <a:avLst/>
+          </a:prstGeom>
+          <a:noFill/>
+        </p:spPr>
+        <p:txBody>
+          <a:bodyPr wrap="none" rtlCol="0">
+            <a:spAutoFit/>
+          </a:bodyPr>
+          <a:p>
+            <a:endParaRPr lang="zh-CN" altLang="en-US"/>
+          </a:p>
+        </p:txBody>
+      </p:sp>
+      <p:sp>
+        <p:nvSpPr>
+          <p:cNvPr id="8" name="文本框 7"/>
+          <p:cNvSpPr txBox="1"/>
+          <p:nvPr/>
+        </p:nvSpPr>
+        <p:spPr>
+          <a:xfrm>
+            <a:off x="365760" y="4978400"/>
+            <a:ext cx="10936605" cy="1198880"/>
+          </a:xfrm>
+          <a:prstGeom prst="rect">
+            <a:avLst/>
+          </a:prstGeom>
+          <a:noFill/>
+        </p:spPr>
+        <p:txBody>
+          <a:bodyPr wrap="none" rtlCol="0">
+            <a:spAutoFit/>
+          </a:bodyPr>
+          <a:p>
+            <a:pPr algn="l"/>
+            <a:r>
+              <a:rPr lang="zh-CN" altLang="en-US"/>
+              <a:t>“Because loss is to be minimized, back-propagation will force the model to generate logits to counter </a:t>
+            </a:r>
+            <a:endParaRPr lang="zh-CN" altLang="en-US"/>
+          </a:p>
+          <a:p>
+            <a:pPr algn="l"/>
+            <a:r>
+              <a:rPr lang="zh-CN" altLang="en-US"/>
+              <a:t>the smoothing effect of temperature. During decoding with a model trained in this way, the temperature coefficient </a:t>
+            </a:r>
+            <a:endParaRPr lang="zh-CN" altLang="en-US"/>
+          </a:p>
+          <a:p>
+            <a:pPr algn="l"/>
+            <a:r>
+              <a:rPr lang="zh-CN" altLang="en-US"/>
+              <a:t>is not used and the logits will be such that they yield a sharper</a:t>
+            </a:r>
+            <a:r>
+              <a:rPr lang="en-US" altLang="zh-CN"/>
+              <a:t> </a:t>
+            </a:r>
+            <a:r>
+              <a:rPr lang="zh-CN" altLang="en-US"/>
+              <a:t>softmax distribution compared to those of </a:t>
+            </a:r>
+            <a:endParaRPr lang="zh-CN" altLang="en-US"/>
+          </a:p>
+          <a:p>
+            <a:pPr algn="l"/>
+            <a:r>
+              <a:rPr lang="zh-CN" altLang="en-US"/>
+              <a:t>a model trained without softmax tempering。</a:t>
+            </a:r>
+            <a:r>
+              <a:rPr lang="en-US" altLang="zh-CN" baseline="30000"/>
+              <a:t>[2]</a:t>
+            </a:r>
+            <a:r>
+              <a:rPr lang="zh-CN" altLang="en-US"/>
+              <a:t>”</a:t>
+            </a:r>
+            <a:endParaRPr lang="zh-CN" altLang="en-US"/>
+          </a:p>
+        </p:txBody>
+      </p:sp>
       <p:pic>
         <p:nvPicPr>
-          <p:cNvPr id="4" name="图片 3"/>
+          <p:cNvPr id="9" name="图片 8"/>
           <p:cNvPicPr>
             <a:picLocks noChangeAspect="1"/>
           </p:cNvPicPr>
@@ -8745,8 +8884,8 @@
         </p:blipFill>
         <p:spPr>
           <a:xfrm>
-            <a:off x="941705" y="2014220"/>
-            <a:ext cx="5034915" cy="836295"/>
+            <a:off x="916305" y="1964055"/>
+            <a:ext cx="4763135" cy="859155"/>
           </a:xfrm>
           <a:prstGeom prst="rect">
             <a:avLst/>
@@ -8755,7 +8894,7 @@
       </p:pic>
       <p:pic>
         <p:nvPicPr>
-          <p:cNvPr id="5" name="图片 4"/>
+          <p:cNvPr id="10" name="图片 9"/>
           <p:cNvPicPr>
             <a:picLocks noChangeAspect="1"/>
           </p:cNvPicPr>
@@ -8769,150 +8908,14 @@
         </p:blipFill>
         <p:spPr>
           <a:xfrm>
-            <a:off x="1024255" y="3524250"/>
-            <a:ext cx="4051935" cy="994410"/>
+            <a:off x="994410" y="3629025"/>
+            <a:ext cx="3915410" cy="862330"/>
           </a:xfrm>
           <a:prstGeom prst="rect">
             <a:avLst/>
           </a:prstGeom>
         </p:spPr>
       </p:pic>
-      <p:sp>
-        <p:nvSpPr>
-          <p:cNvPr id="6" name="文本框 5"/>
-          <p:cNvSpPr txBox="1"/>
-          <p:nvPr/>
-        </p:nvSpPr>
-        <p:spPr>
-          <a:xfrm>
-            <a:off x="6465570" y="6432550"/>
-            <a:ext cx="5628005" cy="521970"/>
-          </a:xfrm>
-          <a:prstGeom prst="rect">
-            <a:avLst/>
-          </a:prstGeom>
-          <a:noFill/>
-        </p:spPr>
-        <p:txBody>
-          <a:bodyPr wrap="none" rtlCol="0">
-            <a:spAutoFit/>
-          </a:bodyPr>
-          <a:p>
-            <a:pPr algn="l"/>
-            <a:r>
-              <a:rPr lang="en-US" altLang="zh-CN" sz="1400">
-                <a:sym typeface="+mn-ea"/>
-              </a:rPr>
-              <a:t>[2] </a:t>
-            </a:r>
-            <a:r>
-              <a:rPr lang="zh-CN" altLang="en-US" sz="1400">
-                <a:sym typeface="+mn-ea"/>
-              </a:rPr>
-              <a:t>《Softmax Tempering for Training Neural Machine Translation Models》</a:t>
-            </a:r>
-            <a:endParaRPr lang="zh-CN" altLang="en-US" sz="1400"/>
-          </a:p>
-          <a:p>
-            <a:endParaRPr lang="zh-CN" altLang="en-US" sz="1400"/>
-          </a:p>
-        </p:txBody>
-      </p:sp>
-      <p:sp>
-        <p:nvSpPr>
-          <p:cNvPr id="7" name="文本框 6"/>
-          <p:cNvSpPr txBox="1"/>
-          <p:nvPr/>
-        </p:nvSpPr>
-        <p:spPr>
-          <a:xfrm>
-            <a:off x="2246630" y="5922010"/>
-            <a:ext cx="309880" cy="368300"/>
-          </a:xfrm>
-          <a:prstGeom prst="rect">
-            <a:avLst/>
-          </a:prstGeom>
-          <a:noFill/>
-        </p:spPr>
-        <p:txBody>
-          <a:bodyPr wrap="none" rtlCol="0">
-            <a:spAutoFit/>
-          </a:bodyPr>
-          <a:p>
-            <a:endParaRPr lang="zh-CN" altLang="en-US"/>
-          </a:p>
-        </p:txBody>
-      </p:sp>
-      <p:sp>
-        <p:nvSpPr>
-          <p:cNvPr id="8" name="文本框 7"/>
-          <p:cNvSpPr txBox="1"/>
-          <p:nvPr/>
-        </p:nvSpPr>
-        <p:spPr>
-          <a:xfrm>
-            <a:off x="365760" y="4978400"/>
-            <a:ext cx="10936605" cy="1198880"/>
-          </a:xfrm>
-          <a:prstGeom prst="rect">
-            <a:avLst/>
-          </a:prstGeom>
-          <a:noFill/>
-        </p:spPr>
-        <p:txBody>
-          <a:bodyPr wrap="none" rtlCol="0">
-            <a:spAutoFit/>
-          </a:bodyPr>
-          <a:p>
-            <a:pPr algn="l"/>
-            <a:r>
-              <a:rPr lang="zh-CN" altLang="en-US"/>
-              <a:t>“Because loss is to be minimized, back-propagation will force the model to generate logits to counter </a:t>
-            </a:r>
-            <a:endParaRPr lang="zh-CN" altLang="en-US"/>
-          </a:p>
-          <a:p>
-            <a:pPr algn="l"/>
-            <a:r>
-              <a:rPr lang="zh-CN" altLang="en-US"/>
-              <a:t>the smoothing effect of temperature. During decoding with a model trained in this way, the temperature coefficient </a:t>
-            </a:r>
-            <a:endParaRPr lang="zh-CN" altLang="en-US"/>
-          </a:p>
-          <a:p>
-            <a:pPr algn="l"/>
-            <a:r>
-              <a:rPr lang="zh-CN" altLang="en-US"/>
-              <a:t>is not used and the logits will be such that they yield a sharper</a:t>
-            </a:r>
-            <a:r>
-              <a:rPr lang="en-US" altLang="zh-CN"/>
-              <a:t> </a:t>
-            </a:r>
-            <a:r>
-              <a:rPr lang="zh-CN" altLang="en-US"/>
-              <a:t>softmax distribution compared to those of </a:t>
-            </a:r>
-            <a:endParaRPr lang="zh-CN" altLang="en-US"/>
-          </a:p>
-          <a:p>
-            <a:pPr algn="l"/>
-            <a:r>
-              <a:rPr lang="zh-CN" altLang="en-US"/>
-              <a:t>a model trained without softmax tempering。</a:t>
-            </a:r>
-            <a:r>
-              <a:rPr lang="en-US" altLang="zh-CN" baseline="30000"/>
-              <a:t>[2]</a:t>
-            </a:r>
-            <a:r>
-              <a:rPr lang="zh-CN" altLang="en-US"/>
-              <a:t>”</a:t>
-            </a:r>
-            <a:endParaRPr lang="zh-CN" altLang="en-US"/>
-          </a:p>
-        </p:txBody>
-      </p:sp>
     </p:spTree>
   </p:cSld>
   <p:clrMapOvr>
@@ -9296,6 +9299,12 @@
     <a:masterClrMapping/>
   </p:clrMapOvr>
 </p:sld>
+</file>
+
+<file path=ppt/tags/tag1.xml><?xml version="1.0" encoding="utf-8"?>
+<p:tagLst xmlns:p="http://schemas.openxmlformats.org/presentationml/2006/main">
+  <p:tag name="COMMONDATA" val="eyJoZGlkIjoiOTkxNzQyN2FlNTFiMWZmOTY2MTg2YTk0ZTQ2ODVlMDYifQ=="/>
+</p:tagLst>
 </file>
 
 <file path=ppt/theme/theme1.xml><?xml version="1.0" encoding="utf-8"?>
